--- a/Samsung/Lesson4/LinearLayout.pptx
+++ b/Samsung/Lesson4/LinearLayout.pptx
@@ -27,6 +27,7 @@
     <p:sldId id="352" r:id="rId21"/>
     <p:sldId id="354" r:id="rId22"/>
     <p:sldId id="353" r:id="rId23"/>
+    <p:sldId id="355" r:id="rId24"/>
   </p:sldIdLst>
   <p:sldSz cx="9144000" cy="6858000" type="screen4x3"/>
   <p:notesSz cx="6858000" cy="9144000"/>
@@ -292,7 +293,7 @@
           <a:p>
             <a:fld id="{F1E7815E-F7B8-4E93-9F6C-89F6C3C8DBB8}" type="datetimeFigureOut">
               <a:rPr lang="en-US" smtClean="0"/>
-              <a:t>9/24/2020</a:t>
+              <a:t>9/25/2020</a:t>
             </a:fld>
             <a:endParaRPr lang="en-US"/>
           </a:p>
@@ -490,7 +491,7 @@
           <a:p>
             <a:fld id="{F1E7815E-F7B8-4E93-9F6C-89F6C3C8DBB8}" type="datetimeFigureOut">
               <a:rPr lang="en-US" smtClean="0"/>
-              <a:t>9/24/2020</a:t>
+              <a:t>9/25/2020</a:t>
             </a:fld>
             <a:endParaRPr lang="en-US"/>
           </a:p>
@@ -698,7 +699,7 @@
           <a:p>
             <a:fld id="{F1E7815E-F7B8-4E93-9F6C-89F6C3C8DBB8}" type="datetimeFigureOut">
               <a:rPr lang="en-US" smtClean="0"/>
-              <a:t>9/24/2020</a:t>
+              <a:t>9/25/2020</a:t>
             </a:fld>
             <a:endParaRPr lang="en-US"/>
           </a:p>
@@ -896,7 +897,7 @@
           <a:p>
             <a:fld id="{F1E7815E-F7B8-4E93-9F6C-89F6C3C8DBB8}" type="datetimeFigureOut">
               <a:rPr lang="en-US" smtClean="0"/>
-              <a:t>9/24/2020</a:t>
+              <a:t>9/25/2020</a:t>
             </a:fld>
             <a:endParaRPr lang="en-US"/>
           </a:p>
@@ -1171,7 +1172,7 @@
           <a:p>
             <a:fld id="{F1E7815E-F7B8-4E93-9F6C-89F6C3C8DBB8}" type="datetimeFigureOut">
               <a:rPr lang="en-US" smtClean="0"/>
-              <a:t>9/24/2020</a:t>
+              <a:t>9/25/2020</a:t>
             </a:fld>
             <a:endParaRPr lang="en-US"/>
           </a:p>
@@ -1436,7 +1437,7 @@
           <a:p>
             <a:fld id="{F1E7815E-F7B8-4E93-9F6C-89F6C3C8DBB8}" type="datetimeFigureOut">
               <a:rPr lang="en-US" smtClean="0"/>
-              <a:t>9/24/2020</a:t>
+              <a:t>9/25/2020</a:t>
             </a:fld>
             <a:endParaRPr lang="en-US"/>
           </a:p>
@@ -1848,7 +1849,7 @@
           <a:p>
             <a:fld id="{F1E7815E-F7B8-4E93-9F6C-89F6C3C8DBB8}" type="datetimeFigureOut">
               <a:rPr lang="en-US" smtClean="0"/>
-              <a:t>9/24/2020</a:t>
+              <a:t>9/25/2020</a:t>
             </a:fld>
             <a:endParaRPr lang="en-US"/>
           </a:p>
@@ -1989,7 +1990,7 @@
           <a:p>
             <a:fld id="{F1E7815E-F7B8-4E93-9F6C-89F6C3C8DBB8}" type="datetimeFigureOut">
               <a:rPr lang="en-US" smtClean="0"/>
-              <a:t>9/24/2020</a:t>
+              <a:t>9/25/2020</a:t>
             </a:fld>
             <a:endParaRPr lang="en-US"/>
           </a:p>
@@ -2102,7 +2103,7 @@
           <a:p>
             <a:fld id="{F1E7815E-F7B8-4E93-9F6C-89F6C3C8DBB8}" type="datetimeFigureOut">
               <a:rPr lang="en-US" smtClean="0"/>
-              <a:t>9/24/2020</a:t>
+              <a:t>9/25/2020</a:t>
             </a:fld>
             <a:endParaRPr lang="en-US"/>
           </a:p>
@@ -2413,7 +2414,7 @@
           <a:p>
             <a:fld id="{F1E7815E-F7B8-4E93-9F6C-89F6C3C8DBB8}" type="datetimeFigureOut">
               <a:rPr lang="en-US" smtClean="0"/>
-              <a:t>9/24/2020</a:t>
+              <a:t>9/25/2020</a:t>
             </a:fld>
             <a:endParaRPr lang="en-US"/>
           </a:p>
@@ -2701,7 +2702,7 @@
           <a:p>
             <a:fld id="{F1E7815E-F7B8-4E93-9F6C-89F6C3C8DBB8}" type="datetimeFigureOut">
               <a:rPr lang="en-US" smtClean="0"/>
-              <a:t>9/24/2020</a:t>
+              <a:t>9/25/2020</a:t>
             </a:fld>
             <a:endParaRPr lang="en-US"/>
           </a:p>
@@ -2942,7 +2943,7 @@
           <a:p>
             <a:fld id="{F1E7815E-F7B8-4E93-9F6C-89F6C3C8DBB8}" type="datetimeFigureOut">
               <a:rPr lang="en-US" smtClean="0"/>
-              <a:t>9/24/2020</a:t>
+              <a:t>9/25/2020</a:t>
             </a:fld>
             <a:endParaRPr lang="en-US"/>
           </a:p>
@@ -9864,7 +9865,160 @@
                 </a:solidFill>
                 <a:latin typeface="Segoe Print" panose="02000600000000000000" pitchFamily="2" charset="0"/>
               </a:rPr>
-              <a:t>Интерфейс приложения</a:t>
+              <a:t>Задание</a:t>
+            </a:r>
+          </a:p>
+        </p:txBody>
+      </p:sp>
+      <p:sp>
+        <p:nvSpPr>
+          <p:cNvPr id="2" name="TextBox 1">
+            <a:extLst>
+              <a:ext uri="{FF2B5EF4-FFF2-40B4-BE49-F238E27FC236}">
+                <a16:creationId xmlns:a16="http://schemas.microsoft.com/office/drawing/2014/main" id="{C0199565-5ECA-43CD-9C4D-872E96BA3C9C}"/>
+              </a:ext>
+            </a:extLst>
+          </p:cNvPr>
+          <p:cNvSpPr txBox="1"/>
+          <p:nvPr/>
+        </p:nvSpPr>
+        <p:spPr>
+          <a:xfrm>
+            <a:off x="1498297" y="1811500"/>
+            <a:ext cx="7167734" cy="4154984"/>
+          </a:xfrm>
+          <a:prstGeom prst="rect">
+            <a:avLst/>
+          </a:prstGeom>
+          <a:noFill/>
+        </p:spPr>
+        <p:txBody>
+          <a:bodyPr wrap="square" rtlCol="0">
+            <a:spAutoFit/>
+          </a:bodyPr>
+          <a:lstStyle/>
+          <a:p>
+            <a:r>
+              <a:rPr lang="ru-RU" sz="2400" dirty="0"/>
+              <a:t>Создать приложение-прототип «Калькулятор»</a:t>
+            </a:r>
+          </a:p>
+          <a:p>
+            <a:endParaRPr lang="ru-RU" sz="2400" dirty="0"/>
+          </a:p>
+          <a:p>
+            <a:r>
+              <a:rPr lang="ru-RU" sz="2400" dirty="0"/>
+              <a:t>1 Приложение содержит три поля:</a:t>
+            </a:r>
+          </a:p>
+          <a:p>
+            <a:pPr marL="342900" indent="-342900">
+              <a:buFontTx/>
+              <a:buChar char="-"/>
+            </a:pPr>
+            <a:r>
+              <a:rPr lang="ru-RU" sz="2400" dirty="0"/>
+              <a:t>два поля для ввода исходных данных</a:t>
+            </a:r>
+          </a:p>
+          <a:p>
+            <a:pPr marL="342900" indent="-342900">
+              <a:buFontTx/>
+              <a:buChar char="-"/>
+            </a:pPr>
+            <a:r>
+              <a:rPr lang="ru-RU" sz="2400" dirty="0"/>
+              <a:t>одно поле для вывода результата </a:t>
+            </a:r>
+          </a:p>
+          <a:p>
+            <a:endParaRPr lang="ru-RU" sz="2400" dirty="0"/>
+          </a:p>
+          <a:p>
+            <a:r>
+              <a:rPr lang="ru-RU" sz="2400" dirty="0"/>
+              <a:t>2 Приложение содержит кнопку, по нажатии на которую происходит расчет суммы (или любого другого арифметического действия)</a:t>
+            </a:r>
+          </a:p>
+          <a:p>
+            <a:endParaRPr lang="ru-RU" sz="2400" dirty="0"/>
+          </a:p>
+          <a:p>
+            <a:r>
+              <a:rPr lang="ru-RU" sz="2400" dirty="0"/>
+              <a:t>3 Результат расчета выводится в третье поле</a:t>
+            </a:r>
+          </a:p>
+        </p:txBody>
+      </p:sp>
+    </p:spTree>
+    <p:extLst>
+      <p:ext uri="{BB962C8B-B14F-4D97-AF65-F5344CB8AC3E}">
+        <p14:creationId xmlns:p14="http://schemas.microsoft.com/office/powerpoint/2010/main" val="305512220"/>
+      </p:ext>
+    </p:extLst>
+  </p:cSld>
+  <p:clrMapOvr>
+    <a:masterClrMapping/>
+  </p:clrMapOvr>
+</p:sld>
+</file>
+
+<file path=ppt/slides/slide23.xml><?xml version="1.0" encoding="utf-8"?>
+<p:sld xmlns:a="http://schemas.openxmlformats.org/drawingml/2006/main" xmlns:r="http://schemas.openxmlformats.org/officeDocument/2006/relationships" xmlns:p="http://schemas.openxmlformats.org/presentationml/2006/main">
+  <p:cSld>
+    <p:spTree>
+      <p:nvGrpSpPr>
+        <p:cNvPr id="1" name=""/>
+        <p:cNvGrpSpPr/>
+        <p:nvPr/>
+      </p:nvGrpSpPr>
+      <p:grpSpPr>
+        <a:xfrm>
+          <a:off x="0" y="0"/>
+          <a:ext cx="0" cy="0"/>
+          <a:chOff x="0" y="0"/>
+          <a:chExt cx="0" cy="0"/>
+        </a:xfrm>
+      </p:grpSpPr>
+      <p:sp>
+        <p:nvSpPr>
+          <p:cNvPr id="5" name="Заголовок 1">
+            <a:extLst>
+              <a:ext uri="{FF2B5EF4-FFF2-40B4-BE49-F238E27FC236}">
+                <a16:creationId xmlns:a16="http://schemas.microsoft.com/office/drawing/2014/main" id="{0AE9A5B2-4DA6-4505-916C-20351ECFD07D}"/>
+              </a:ext>
+            </a:extLst>
+          </p:cNvPr>
+          <p:cNvSpPr>
+            <a:spLocks noGrp="1"/>
+          </p:cNvSpPr>
+          <p:nvPr>
+            <p:ph type="title"/>
+          </p:nvPr>
+        </p:nvSpPr>
+        <p:spPr>
+          <a:xfrm>
+            <a:off x="319744" y="0"/>
+            <a:ext cx="7167734" cy="1020417"/>
+          </a:xfrm>
+        </p:spPr>
+        <p:txBody>
+          <a:bodyPr>
+            <a:normAutofit/>
+          </a:bodyPr>
+          <a:lstStyle/>
+          <a:p>
+            <a:pPr algn="ctr"/>
+            <a:r>
+              <a:rPr lang="ru-RU" sz="2800" dirty="0">
+                <a:solidFill>
+                  <a:srgbClr val="729F11"/>
+                </a:solidFill>
+                <a:latin typeface="Segoe Print" panose="02000600000000000000" pitchFamily="2" charset="0"/>
+              </a:rPr>
+              <a:t>Задание</a:t>
             </a:r>
           </a:p>
         </p:txBody>
@@ -9890,18 +10044,61 @@
         </p:blipFill>
         <p:spPr>
           <a:xfrm>
-            <a:off x="1377245" y="2012244"/>
-            <a:ext cx="7409728" cy="4219222"/>
+            <a:off x="625564" y="2087704"/>
+            <a:ext cx="8143653" cy="4637131"/>
           </a:xfrm>
           <a:prstGeom prst="rect">
             <a:avLst/>
           </a:prstGeom>
         </p:spPr>
       </p:pic>
+      <p:sp>
+        <p:nvSpPr>
+          <p:cNvPr id="2" name="TextBox 1">
+            <a:extLst>
+              <a:ext uri="{FF2B5EF4-FFF2-40B4-BE49-F238E27FC236}">
+                <a16:creationId xmlns:a16="http://schemas.microsoft.com/office/drawing/2014/main" id="{C0199565-5ECA-43CD-9C4D-872E96BA3C9C}"/>
+              </a:ext>
+            </a:extLst>
+          </p:cNvPr>
+          <p:cNvSpPr txBox="1"/>
+          <p:nvPr/>
+        </p:nvSpPr>
+        <p:spPr>
+          <a:xfrm>
+            <a:off x="2563665" y="1323228"/>
+            <a:ext cx="4267450" cy="461665"/>
+          </a:xfrm>
+          <a:prstGeom prst="rect">
+            <a:avLst/>
+          </a:prstGeom>
+          <a:noFill/>
+        </p:spPr>
+        <p:txBody>
+          <a:bodyPr wrap="none" rtlCol="0">
+            <a:spAutoFit/>
+          </a:bodyPr>
+          <a:lstStyle/>
+          <a:p>
+            <a:r>
+              <a:rPr lang="ru-RU" sz="2400" dirty="0"/>
+              <a:t>Пример макета </a:t>
+            </a:r>
+            <a:r>
+              <a:rPr lang="en-US" sz="2400" dirty="0"/>
+              <a:t>UI</a:t>
+            </a:r>
+            <a:r>
+              <a:rPr lang="ru-RU" sz="2400" dirty="0"/>
+              <a:t> приложения</a:t>
+            </a:r>
+          </a:p>
+        </p:txBody>
+      </p:sp>
     </p:spTree>
     <p:extLst>
       <p:ext uri="{BB962C8B-B14F-4D97-AF65-F5344CB8AC3E}">
-        <p14:creationId xmlns:p14="http://schemas.microsoft.com/office/powerpoint/2010/main" val="305512220"/>
+        <p14:creationId xmlns:p14="http://schemas.microsoft.com/office/powerpoint/2010/main" val="298868113"/>
       </p:ext>
     </p:extLst>
   </p:cSld>
